--- a/documentation/TCL-Presentación _ PDAM.pptx
+++ b/documentation/TCL-Presentación _ PDAM.pptx
@@ -6939,7 +6939,7 @@
             </a:pPr>
             <a:r>
               <a:rPr lang="en"/>
-              <a:t>Opciones de ver,editar,eliminar sesiones, películas y salas.</a:t>
+              <a:t>Opciones de ver,crear,editar,eliminar sesiones, películas y salas.</a:t>
             </a:r>
             <a:endParaRPr/>
           </a:p>
@@ -7932,18 +7932,17 @@
           <p:cNvPicPr preferRelativeResize="0"/>
           <p:nvPr/>
         </p:nvPicPr>
-        <p:blipFill>
+        <p:blipFill rotWithShape="1">
           <a:blip r:embed="rId3">
             <a:alphaModFix/>
           </a:blip>
-          <a:stretch>
-            <a:fillRect/>
-          </a:stretch>
+          <a:srcRect b="950" l="1835" r="0" t="0"/>
+          <a:stretch/>
         </p:blipFill>
         <p:spPr>
           <a:xfrm>
-            <a:off x="5284125" y="740075"/>
-            <a:ext cx="2042575" cy="3621225"/>
+            <a:off x="5291525" y="747475"/>
+            <a:ext cx="2027775" cy="3613825"/>
           </a:xfrm>
           <a:prstGeom prst="rect">
             <a:avLst/>
